--- a/notes/notes/ds-algo/ch11-greedy.pptx
+++ b/notes/notes/ds-algo/ch11-greedy.pptx
@@ -222,7 +222,7 @@
           <a:p>
             <a:fld id="{9BFDADED-620D-D24E-82E2-96F000A12D1D}" type="datetimeFigureOut">
               <a:rPr lang="en-CN" smtClean="0"/>
-              <a:t>2024/1/25</a:t>
+              <a:t>2024/1/26</a:t>
             </a:fld>
             <a:endParaRPr lang="en-CN"/>
           </a:p>
@@ -809,6 +809,53 @@
           </a:p>
         </p:txBody>
       </p:sp>
+      <p:pic>
+        <p:nvPicPr>
+          <p:cNvPr id="9" name="Picture 2">
+            <a:extLst>
+              <a:ext uri="{FF2B5EF4-FFF2-40B4-BE49-F238E27FC236}">
+                <a16:creationId xmlns:a16="http://schemas.microsoft.com/office/drawing/2014/main" id="{2FAD876E-2DAD-3E26-6FAC-8DD4B7C54B50}"/>
+              </a:ext>
+            </a:extLst>
+          </p:cNvPr>
+          <p:cNvPicPr>
+            <a:picLocks noChangeAspect="1" noChangeArrowheads="1"/>
+          </p:cNvPicPr>
+          <p:nvPr userDrawn="1"/>
+        </p:nvPicPr>
+        <p:blipFill>
+          <a:blip r:embed="rId2">
+            <a:extLst>
+              <a:ext uri="{28A0092B-C50C-407E-A947-70E740481C1C}">
+                <a14:useLocalDpi xmlns:a14="http://schemas.microsoft.com/office/drawing/2010/main" val="0"/>
+              </a:ext>
+            </a:extLst>
+          </a:blip>
+          <a:srcRect/>
+          <a:stretch>
+            <a:fillRect/>
+          </a:stretch>
+        </p:blipFill>
+        <p:spPr bwMode="auto">
+          <a:xfrm>
+            <a:off x="8244520" y="0"/>
+            <a:ext cx="899480" cy="168442"/>
+          </a:xfrm>
+          <a:prstGeom prst="rect">
+            <a:avLst/>
+          </a:prstGeom>
+          <a:noFill/>
+          <a:extLst>
+            <a:ext uri="{909E8E84-426E-40DD-AFC4-6F175D3DCCD1}">
+              <a14:hiddenFill xmlns:a14="http://schemas.microsoft.com/office/drawing/2010/main">
+                <a:solidFill>
+                  <a:srgbClr val="FFFFFF"/>
+                </a:solidFill>
+              </a14:hiddenFill>
+            </a:ext>
+          </a:extLst>
+        </p:spPr>
+      </p:pic>
     </p:spTree>
     <p:extLst>
       <p:ext uri="{BB962C8B-B14F-4D97-AF65-F5344CB8AC3E}">
@@ -1711,7 +1758,7 @@
           <a:p>
             <a:fld id="{58D30FAB-176C-8449-8796-69F8D9C85B57}" type="datetime1">
               <a:rPr lang="en-US" smtClean="0"/>
-              <a:t>1/25/24</a:t>
+              <a:t>1/26/24</a:t>
             </a:fld>
             <a:endParaRPr lang="en-CN"/>
           </a:p>
@@ -2672,8 +2719,8 @@
           </a:p>
         </p:txBody>
       </p:sp>
-      <mc:AlternateContent xmlns:mc="http://schemas.openxmlformats.org/markup-compatibility/2006">
-        <mc:Choice xmlns:a14="http://schemas.microsoft.com/office/drawing/2010/main" Requires="a14">
+      <mc:AlternateContent xmlns:mc="http://schemas.openxmlformats.org/markup-compatibility/2006" xmlns:a14="http://schemas.microsoft.com/office/drawing/2010/main">
+        <mc:Choice Requires="a14">
           <p:sp>
             <p:nvSpPr>
               <p:cNvPr id="4" name="TextBox 3">
@@ -2760,7 +2807,7 @@
             </p:txBody>
           </p:sp>
         </mc:Choice>
-        <mc:Fallback>
+        <mc:Fallback xmlns="">
           <p:sp>
             <p:nvSpPr>
               <p:cNvPr id="4" name="TextBox 3">
@@ -2805,8 +2852,8 @@
           </p:sp>
         </mc:Fallback>
       </mc:AlternateContent>
-      <mc:AlternateContent xmlns:mc="http://schemas.openxmlformats.org/markup-compatibility/2006">
-        <mc:Choice xmlns:a14="http://schemas.microsoft.com/office/drawing/2010/main" Requires="a14">
+      <mc:AlternateContent xmlns:mc="http://schemas.openxmlformats.org/markup-compatibility/2006" xmlns:a14="http://schemas.microsoft.com/office/drawing/2010/main">
+        <mc:Choice Requires="a14">
           <p:sp>
             <p:nvSpPr>
               <p:cNvPr id="5" name="TextBox 4">
@@ -2975,7 +3022,7 @@
             </p:txBody>
           </p:sp>
         </mc:Choice>
-        <mc:Fallback>
+        <mc:Fallback xmlns="">
           <p:sp>
             <p:nvSpPr>
               <p:cNvPr id="5" name="TextBox 4">
@@ -3050,8 +3097,8 @@
           </a:prstGeom>
         </p:spPr>
       </p:pic>
-      <mc:AlternateContent xmlns:mc="http://schemas.openxmlformats.org/markup-compatibility/2006">
-        <mc:Choice xmlns:a14="http://schemas.microsoft.com/office/drawing/2010/main" Requires="a14">
+      <mc:AlternateContent xmlns:mc="http://schemas.openxmlformats.org/markup-compatibility/2006" xmlns:a14="http://schemas.microsoft.com/office/drawing/2010/main">
+        <mc:Choice Requires="a14">
           <p:sp>
             <p:nvSpPr>
               <p:cNvPr id="7" name="TextBox 6">
@@ -3140,7 +3187,7 @@
             </p:txBody>
           </p:sp>
         </mc:Choice>
-        <mc:Fallback>
+        <mc:Fallback xmlns="">
           <p:sp>
             <p:nvSpPr>
               <p:cNvPr id="7" name="TextBox 6">
@@ -3338,8 +3385,8 @@
           </a:prstGeom>
         </p:spPr>
       </p:pic>
-      <mc:AlternateContent xmlns:mc="http://schemas.openxmlformats.org/markup-compatibility/2006">
-        <mc:Choice xmlns:a14="http://schemas.microsoft.com/office/drawing/2010/main" Requires="a14">
+      <mc:AlternateContent xmlns:mc="http://schemas.openxmlformats.org/markup-compatibility/2006" xmlns:a14="http://schemas.microsoft.com/office/drawing/2010/main">
+        <mc:Choice Requires="a14">
           <p:sp>
             <p:nvSpPr>
               <p:cNvPr id="5" name="TextBox 4">
@@ -3648,7 +3695,7 @@
             </p:txBody>
           </p:sp>
         </mc:Choice>
-        <mc:Fallback>
+        <mc:Fallback xmlns="">
           <p:sp>
             <p:nvSpPr>
               <p:cNvPr id="5" name="TextBox 4">
@@ -3925,8 +3972,8 @@
           </a:prstGeom>
         </p:spPr>
       </p:pic>
-      <mc:AlternateContent xmlns:mc="http://schemas.openxmlformats.org/markup-compatibility/2006">
-        <mc:Choice xmlns:a14="http://schemas.microsoft.com/office/drawing/2010/main" Requires="a14">
+      <mc:AlternateContent xmlns:mc="http://schemas.openxmlformats.org/markup-compatibility/2006" xmlns:a14="http://schemas.microsoft.com/office/drawing/2010/main">
+        <mc:Choice Requires="a14">
           <p:sp>
             <p:nvSpPr>
               <p:cNvPr id="14" name="TextBox 13">
@@ -4073,7 +4120,7 @@
             </p:txBody>
           </p:sp>
         </mc:Choice>
-        <mc:Fallback>
+        <mc:Fallback xmlns="">
           <p:sp>
             <p:nvSpPr>
               <p:cNvPr id="14" name="TextBox 13">
@@ -4247,8 +4294,8 @@
           </a:p>
         </p:txBody>
       </p:sp>
-      <mc:AlternateContent xmlns:mc="http://schemas.openxmlformats.org/markup-compatibility/2006">
-        <mc:Choice xmlns:a14="http://schemas.microsoft.com/office/drawing/2010/main" Requires="a14">
+      <mc:AlternateContent xmlns:mc="http://schemas.openxmlformats.org/markup-compatibility/2006" xmlns:a14="http://schemas.microsoft.com/office/drawing/2010/main">
+        <mc:Choice Requires="a14">
           <p:sp>
             <p:nvSpPr>
               <p:cNvPr id="4" name="TextBox 3">
@@ -4395,7 +4442,7 @@
             </p:txBody>
           </p:sp>
         </mc:Choice>
-        <mc:Fallback>
+        <mc:Fallback xmlns="">
           <p:sp>
             <p:nvSpPr>
               <p:cNvPr id="4" name="TextBox 3">
@@ -4440,8 +4487,8 @@
           </p:sp>
         </mc:Fallback>
       </mc:AlternateContent>
-      <mc:AlternateContent xmlns:mc="http://schemas.openxmlformats.org/markup-compatibility/2006">
-        <mc:Choice xmlns:a14="http://schemas.microsoft.com/office/drawing/2010/main" Requires="a14">
+      <mc:AlternateContent xmlns:mc="http://schemas.openxmlformats.org/markup-compatibility/2006" xmlns:a14="http://schemas.microsoft.com/office/drawing/2010/main">
+        <mc:Choice Requires="a14">
           <p:sp>
             <p:nvSpPr>
               <p:cNvPr id="5" name="TextBox 4">
@@ -4610,7 +4657,7 @@
             </p:txBody>
           </p:sp>
         </mc:Choice>
-        <mc:Fallback>
+        <mc:Fallback xmlns="">
           <p:sp>
             <p:nvSpPr>
               <p:cNvPr id="5" name="TextBox 4">
@@ -4685,8 +4732,8 @@
           </a:prstGeom>
         </p:spPr>
       </p:pic>
-      <mc:AlternateContent xmlns:mc="http://schemas.openxmlformats.org/markup-compatibility/2006">
-        <mc:Choice xmlns:a14="http://schemas.microsoft.com/office/drawing/2010/main" Requires="a14">
+      <mc:AlternateContent xmlns:mc="http://schemas.openxmlformats.org/markup-compatibility/2006" xmlns:a14="http://schemas.microsoft.com/office/drawing/2010/main">
+        <mc:Choice Requires="a14">
           <p:sp>
             <p:nvSpPr>
               <p:cNvPr id="7" name="TextBox 6">
@@ -4751,7 +4798,7 @@
             </p:txBody>
           </p:sp>
         </mc:Choice>
-        <mc:Fallback>
+        <mc:Fallback xmlns="">
           <p:sp>
             <p:nvSpPr>
               <p:cNvPr id="7" name="TextBox 6">
@@ -5092,8 +5139,8 @@
           </a:prstGeom>
         </p:spPr>
       </p:pic>
-      <mc:AlternateContent xmlns:mc="http://schemas.openxmlformats.org/markup-compatibility/2006">
-        <mc:Choice xmlns:a14="http://schemas.microsoft.com/office/drawing/2010/main" Requires="a14">
+      <mc:AlternateContent xmlns:mc="http://schemas.openxmlformats.org/markup-compatibility/2006" xmlns:a14="http://schemas.microsoft.com/office/drawing/2010/main">
+        <mc:Choice Requires="a14">
           <p:sp>
             <p:nvSpPr>
               <p:cNvPr id="5" name="TextBox 4">
@@ -5637,7 +5684,7 @@
             </p:txBody>
           </p:sp>
         </mc:Choice>
-        <mc:Fallback>
+        <mc:Fallback xmlns="">
           <p:sp>
             <p:nvSpPr>
               <p:cNvPr id="5" name="TextBox 4">
@@ -6709,8 +6756,8 @@
           </a:p>
         </p:txBody>
       </p:sp>
-      <mc:AlternateContent xmlns:mc="http://schemas.openxmlformats.org/markup-compatibility/2006">
-        <mc:Choice xmlns:a14="http://schemas.microsoft.com/office/drawing/2010/main" Requires="a14">
+      <mc:AlternateContent xmlns:mc="http://schemas.openxmlformats.org/markup-compatibility/2006" xmlns:a14="http://schemas.microsoft.com/office/drawing/2010/main">
+        <mc:Choice Requires="a14">
           <p:sp>
             <p:nvSpPr>
               <p:cNvPr id="13" name="TextBox 12">
@@ -7049,7 +7096,7 @@
             </p:txBody>
           </p:sp>
         </mc:Choice>
-        <mc:Fallback>
+        <mc:Fallback xmlns="">
           <p:sp>
             <p:nvSpPr>
               <p:cNvPr id="13" name="TextBox 12">
@@ -7124,8 +7171,8 @@
           </a:prstGeom>
         </p:spPr>
       </p:pic>
-      <mc:AlternateContent xmlns:mc="http://schemas.openxmlformats.org/markup-compatibility/2006">
-        <mc:Choice xmlns:a14="http://schemas.microsoft.com/office/drawing/2010/main" Requires="a14">
+      <mc:AlternateContent xmlns:mc="http://schemas.openxmlformats.org/markup-compatibility/2006" xmlns:a14="http://schemas.microsoft.com/office/drawing/2010/main">
+        <mc:Choice Requires="a14">
           <p:sp>
             <p:nvSpPr>
               <p:cNvPr id="15" name="TextBox 14">
@@ -7223,7 +7270,7 @@
             </p:txBody>
           </p:sp>
         </mc:Choice>
-        <mc:Fallback>
+        <mc:Fallback xmlns="">
           <p:sp>
             <p:nvSpPr>
               <p:cNvPr id="15" name="TextBox 14">
@@ -8385,8 +8432,8 @@
           </a:p>
         </p:txBody>
       </p:sp>
-      <mc:AlternateContent xmlns:mc="http://schemas.openxmlformats.org/markup-compatibility/2006">
-        <mc:Choice xmlns:a14="http://schemas.microsoft.com/office/drawing/2010/main" Requires="a14">
+      <mc:AlternateContent xmlns:mc="http://schemas.openxmlformats.org/markup-compatibility/2006" xmlns:a14="http://schemas.microsoft.com/office/drawing/2010/main">
+        <mc:Choice Requires="a14">
           <p:sp>
             <p:nvSpPr>
               <p:cNvPr id="4" name="TextBox 3">
@@ -8762,7 +8809,7 @@
             </p:txBody>
           </p:sp>
         </mc:Choice>
-        <mc:Fallback>
+        <mc:Fallback xmlns="">
           <p:sp>
             <p:nvSpPr>
               <p:cNvPr id="4" name="TextBox 3">
@@ -9436,8 +9483,8 @@
           </a:prstGeom>
         </p:spPr>
       </p:pic>
-      <mc:AlternateContent xmlns:mc="http://schemas.openxmlformats.org/markup-compatibility/2006">
-        <mc:Choice xmlns:a14="http://schemas.microsoft.com/office/drawing/2010/main" Requires="a14">
+      <mc:AlternateContent xmlns:mc="http://schemas.openxmlformats.org/markup-compatibility/2006" xmlns:a14="http://schemas.microsoft.com/office/drawing/2010/main">
+        <mc:Choice Requires="a14">
           <p:sp>
             <p:nvSpPr>
               <p:cNvPr id="5" name="TextBox 4">
@@ -9737,7 +9784,7 @@
             </p:txBody>
           </p:sp>
         </mc:Choice>
-        <mc:Fallback>
+        <mc:Fallback xmlns="">
           <p:sp>
             <p:nvSpPr>
               <p:cNvPr id="5" name="TextBox 4">
@@ -9823,8 +9870,8 @@
           </a:prstGeom>
         </p:spPr>
       </p:pic>
-      <mc:AlternateContent xmlns:mc="http://schemas.openxmlformats.org/markup-compatibility/2006">
-        <mc:Choice xmlns:a14="http://schemas.microsoft.com/office/drawing/2010/main" Requires="a14">
+      <mc:AlternateContent xmlns:mc="http://schemas.openxmlformats.org/markup-compatibility/2006" xmlns:a14="http://schemas.microsoft.com/office/drawing/2010/main">
+        <mc:Choice Requires="a14">
           <p:sp>
             <p:nvSpPr>
               <p:cNvPr id="8" name="TextBox 7">
@@ -9874,7 +9921,7 @@
             </p:txBody>
           </p:sp>
         </mc:Choice>
-        <mc:Fallback>
+        <mc:Fallback xmlns="">
           <p:sp>
             <p:nvSpPr>
               <p:cNvPr id="8" name="TextBox 7">
@@ -9919,8 +9966,8 @@
           </p:sp>
         </mc:Fallback>
       </mc:AlternateContent>
-      <mc:AlternateContent xmlns:mc="http://schemas.openxmlformats.org/markup-compatibility/2006">
-        <mc:Choice xmlns:a14="http://schemas.microsoft.com/office/drawing/2010/main" Requires="a14">
+      <mc:AlternateContent xmlns:mc="http://schemas.openxmlformats.org/markup-compatibility/2006" xmlns:a14="http://schemas.microsoft.com/office/drawing/2010/main">
+        <mc:Choice Requires="a14">
           <p:sp>
             <p:nvSpPr>
               <p:cNvPr id="9" name="TextBox 8">
@@ -9970,7 +10017,7 @@
             </p:txBody>
           </p:sp>
         </mc:Choice>
-        <mc:Fallback>
+        <mc:Fallback xmlns="">
           <p:sp>
             <p:nvSpPr>
               <p:cNvPr id="9" name="TextBox 8">
@@ -10174,8 +10221,8 @@
           </a:p>
         </p:txBody>
       </p:sp>
-      <mc:AlternateContent xmlns:mc="http://schemas.openxmlformats.org/markup-compatibility/2006">
-        <mc:Choice xmlns:a14="http://schemas.microsoft.com/office/drawing/2010/main" Requires="a14">
+      <mc:AlternateContent xmlns:mc="http://schemas.openxmlformats.org/markup-compatibility/2006" xmlns:a14="http://schemas.microsoft.com/office/drawing/2010/main">
+        <mc:Choice Requires="a14">
           <p:sp>
             <p:nvSpPr>
               <p:cNvPr id="15" name="TextBox 14">
@@ -10225,7 +10272,7 @@
             </p:txBody>
           </p:sp>
         </mc:Choice>
-        <mc:Fallback>
+        <mc:Fallback xmlns="">
           <p:sp>
             <p:nvSpPr>
               <p:cNvPr id="15" name="TextBox 14">
@@ -10270,8 +10317,8 @@
           </p:sp>
         </mc:Fallback>
       </mc:AlternateContent>
-      <mc:AlternateContent xmlns:mc="http://schemas.openxmlformats.org/markup-compatibility/2006">
-        <mc:Choice xmlns:a14="http://schemas.microsoft.com/office/drawing/2010/main" Requires="a14">
+      <mc:AlternateContent xmlns:mc="http://schemas.openxmlformats.org/markup-compatibility/2006" xmlns:a14="http://schemas.microsoft.com/office/drawing/2010/main">
+        <mc:Choice Requires="a14">
           <p:sp>
             <p:nvSpPr>
               <p:cNvPr id="16" name="TextBox 15">
@@ -10321,7 +10368,7 @@
             </p:txBody>
           </p:sp>
         </mc:Choice>
-        <mc:Fallback>
+        <mc:Fallback xmlns="">
           <p:sp>
             <p:nvSpPr>
               <p:cNvPr id="16" name="TextBox 15">
@@ -10366,8 +10413,8 @@
           </p:sp>
         </mc:Fallback>
       </mc:AlternateContent>
-      <mc:AlternateContent xmlns:mc="http://schemas.openxmlformats.org/markup-compatibility/2006">
-        <mc:Choice xmlns:a14="http://schemas.microsoft.com/office/drawing/2010/main" Requires="a14">
+      <mc:AlternateContent xmlns:mc="http://schemas.openxmlformats.org/markup-compatibility/2006" xmlns:a14="http://schemas.microsoft.com/office/drawing/2010/main">
+        <mc:Choice Requires="a14">
           <p:sp>
             <p:nvSpPr>
               <p:cNvPr id="17" name="TextBox 16">
@@ -10435,7 +10482,7 @@
             </p:txBody>
           </p:sp>
         </mc:Choice>
-        <mc:Fallback>
+        <mc:Fallback xmlns="">
           <p:sp>
             <p:nvSpPr>
               <p:cNvPr id="17" name="TextBox 16">
@@ -10692,8 +10739,8 @@
           </a:p>
         </p:txBody>
       </p:sp>
-      <mc:AlternateContent xmlns:mc="http://schemas.openxmlformats.org/markup-compatibility/2006">
-        <mc:Choice xmlns:a14="http://schemas.microsoft.com/office/drawing/2010/main" Requires="a14">
+      <mc:AlternateContent xmlns:mc="http://schemas.openxmlformats.org/markup-compatibility/2006" xmlns:a14="http://schemas.microsoft.com/office/drawing/2010/main">
+        <mc:Choice Requires="a14">
           <p:sp>
             <p:nvSpPr>
               <p:cNvPr id="7" name="TextBox 6">
@@ -10743,7 +10790,7 @@
             </p:txBody>
           </p:sp>
         </mc:Choice>
-        <mc:Fallback>
+        <mc:Fallback xmlns="">
           <p:sp>
             <p:nvSpPr>
               <p:cNvPr id="7" name="TextBox 6">
@@ -10788,8 +10835,8 @@
           </p:sp>
         </mc:Fallback>
       </mc:AlternateContent>
-      <mc:AlternateContent xmlns:mc="http://schemas.openxmlformats.org/markup-compatibility/2006">
-        <mc:Choice xmlns:a14="http://schemas.microsoft.com/office/drawing/2010/main" Requires="a14">
+      <mc:AlternateContent xmlns:mc="http://schemas.openxmlformats.org/markup-compatibility/2006" xmlns:a14="http://schemas.microsoft.com/office/drawing/2010/main">
+        <mc:Choice Requires="a14">
           <p:sp>
             <p:nvSpPr>
               <p:cNvPr id="8" name="TextBox 7">
@@ -10839,7 +10886,7 @@
             </p:txBody>
           </p:sp>
         </mc:Choice>
-        <mc:Fallback>
+        <mc:Fallback xmlns="">
           <p:sp>
             <p:nvSpPr>
               <p:cNvPr id="8" name="TextBox 7">
@@ -10884,8 +10931,8 @@
           </p:sp>
         </mc:Fallback>
       </mc:AlternateContent>
-      <mc:AlternateContent xmlns:mc="http://schemas.openxmlformats.org/markup-compatibility/2006">
-        <mc:Choice xmlns:a14="http://schemas.microsoft.com/office/drawing/2010/main" Requires="a14">
+      <mc:AlternateContent xmlns:mc="http://schemas.openxmlformats.org/markup-compatibility/2006" xmlns:a14="http://schemas.microsoft.com/office/drawing/2010/main">
+        <mc:Choice Requires="a14">
           <p:sp>
             <p:nvSpPr>
               <p:cNvPr id="9" name="TextBox 8">
@@ -10947,7 +10994,7 @@
             </p:txBody>
           </p:sp>
         </mc:Choice>
-        <mc:Fallback>
+        <mc:Fallback xmlns="">
           <p:sp>
             <p:nvSpPr>
               <p:cNvPr id="9" name="TextBox 8">
@@ -11082,8 +11129,8 @@
           </a:p>
         </p:txBody>
       </p:sp>
-      <mc:AlternateContent xmlns:mc="http://schemas.openxmlformats.org/markup-compatibility/2006">
-        <mc:Choice xmlns:a14="http://schemas.microsoft.com/office/drawing/2010/main" Requires="a14">
+      <mc:AlternateContent xmlns:mc="http://schemas.openxmlformats.org/markup-compatibility/2006" xmlns:a14="http://schemas.microsoft.com/office/drawing/2010/main">
+        <mc:Choice Requires="a14">
           <p:sp>
             <p:nvSpPr>
               <p:cNvPr id="12" name="TextBox 11">
@@ -11427,7 +11474,7 @@
             </p:txBody>
           </p:sp>
         </mc:Choice>
-        <mc:Fallback>
+        <mc:Fallback xmlns="">
           <p:sp>
             <p:nvSpPr>
               <p:cNvPr id="12" name="TextBox 11">
@@ -11472,8 +11519,8 @@
           </p:sp>
         </mc:Fallback>
       </mc:AlternateContent>
-      <mc:AlternateContent xmlns:mc="http://schemas.openxmlformats.org/markup-compatibility/2006">
-        <mc:Choice xmlns:a14="http://schemas.microsoft.com/office/drawing/2010/main" Requires="a14">
+      <mc:AlternateContent xmlns:mc="http://schemas.openxmlformats.org/markup-compatibility/2006" xmlns:a14="http://schemas.microsoft.com/office/drawing/2010/main">
+        <mc:Choice Requires="a14">
           <p:sp>
             <p:nvSpPr>
               <p:cNvPr id="13" name="TextBox 12">
@@ -11712,7 +11759,7 @@
             </p:txBody>
           </p:sp>
         </mc:Choice>
-        <mc:Fallback>
+        <mc:Fallback xmlns="">
           <p:sp>
             <p:nvSpPr>
               <p:cNvPr id="13" name="TextBox 12">
@@ -11961,8 +12008,8 @@
           </a:prstGeom>
         </p:spPr>
       </p:pic>
-      <mc:AlternateContent xmlns:mc="http://schemas.openxmlformats.org/markup-compatibility/2006">
-        <mc:Choice xmlns:a14="http://schemas.microsoft.com/office/drawing/2010/main" Requires="a14">
+      <mc:AlternateContent xmlns:mc="http://schemas.openxmlformats.org/markup-compatibility/2006" xmlns:a14="http://schemas.microsoft.com/office/drawing/2010/main">
+        <mc:Choice Requires="a14">
           <p:sp>
             <p:nvSpPr>
               <p:cNvPr id="5" name="TextBox 4">
@@ -12408,7 +12455,7 @@
             </p:txBody>
           </p:sp>
         </mc:Choice>
-        <mc:Fallback>
+        <mc:Fallback xmlns="">
           <p:sp>
             <p:nvSpPr>
               <p:cNvPr id="5" name="TextBox 4">
@@ -13914,8 +13961,8 @@
           </a:p>
         </p:txBody>
       </p:sp>
-      <mc:AlternateContent xmlns:mc="http://schemas.openxmlformats.org/markup-compatibility/2006">
-        <mc:Choice xmlns:a14="http://schemas.microsoft.com/office/drawing/2010/main" Requires="a14">
+      <mc:AlternateContent xmlns:mc="http://schemas.openxmlformats.org/markup-compatibility/2006" xmlns:a14="http://schemas.microsoft.com/office/drawing/2010/main">
+        <mc:Choice Requires="a14">
           <p:sp>
             <p:nvSpPr>
               <p:cNvPr id="4" name="TextBox 3">
@@ -14184,7 +14231,7 @@
             </p:txBody>
           </p:sp>
         </mc:Choice>
-        <mc:Fallback>
+        <mc:Fallback xmlns="">
           <p:sp>
             <p:nvSpPr>
               <p:cNvPr id="4" name="TextBox 3">
@@ -14526,8 +14573,8 @@
           </a:p>
         </p:txBody>
       </p:sp>
-      <mc:AlternateContent xmlns:mc="http://schemas.openxmlformats.org/markup-compatibility/2006">
-        <mc:Choice xmlns:a14="http://schemas.microsoft.com/office/drawing/2010/main" Requires="a14">
+      <mc:AlternateContent xmlns:mc="http://schemas.openxmlformats.org/markup-compatibility/2006" xmlns:a14="http://schemas.microsoft.com/office/drawing/2010/main">
+        <mc:Choice Requires="a14">
           <p:sp>
             <p:nvSpPr>
               <p:cNvPr id="5" name="TextBox 4">
@@ -14772,7 +14819,7 @@
             </p:txBody>
           </p:sp>
         </mc:Choice>
-        <mc:Fallback>
+        <mc:Fallback xmlns="">
           <p:sp>
             <p:nvSpPr>
               <p:cNvPr id="5" name="TextBox 4">

--- a/notes/notes/ds-algo/ch11-greedy.pptx
+++ b/notes/notes/ds-algo/ch11-greedy.pptx
@@ -222,7 +222,7 @@
           <a:p>
             <a:fld id="{9BFDADED-620D-D24E-82E2-96F000A12D1D}" type="datetimeFigureOut">
               <a:rPr lang="en-CN" smtClean="0"/>
-              <a:t>2024/1/26</a:t>
+              <a:t>2024/1/27</a:t>
             </a:fld>
             <a:endParaRPr lang="en-CN"/>
           </a:p>
@@ -1758,7 +1758,7 @@
           <a:p>
             <a:fld id="{58D30FAB-176C-8449-8796-69F8D9C85B57}" type="datetime1">
               <a:rPr lang="en-US" smtClean="0"/>
-              <a:t>1/26/24</a:t>
+              <a:t>1/27/24</a:t>
             </a:fld>
             <a:endParaRPr lang="en-CN"/>
           </a:p>
